--- a/figures/introduction-gc.pptx
+++ b/figures/introduction-gc.pptx
@@ -272,7 +272,7 @@
           <a:p>
             <a:fld id="{2093C52E-3E25-9345-BD90-52828556E7FB}" type="datetimeFigureOut">
               <a:rPr lang="en-CN" smtClean="0"/>
-              <a:t>2021/1/9</a:t>
+              <a:t>2021/1/10</a:t>
             </a:fld>
             <a:endParaRPr lang="en-CN"/>
           </a:p>
@@ -472,7 +472,7 @@
           <a:p>
             <a:fld id="{2093C52E-3E25-9345-BD90-52828556E7FB}" type="datetimeFigureOut">
               <a:rPr lang="en-CN" smtClean="0"/>
-              <a:t>2021/1/9</a:t>
+              <a:t>2021/1/10</a:t>
             </a:fld>
             <a:endParaRPr lang="en-CN"/>
           </a:p>
@@ -682,7 +682,7 @@
           <a:p>
             <a:fld id="{2093C52E-3E25-9345-BD90-52828556E7FB}" type="datetimeFigureOut">
               <a:rPr lang="en-CN" smtClean="0"/>
-              <a:t>2021/1/9</a:t>
+              <a:t>2021/1/10</a:t>
             </a:fld>
             <a:endParaRPr lang="en-CN"/>
           </a:p>
@@ -882,7 +882,7 @@
           <a:p>
             <a:fld id="{2093C52E-3E25-9345-BD90-52828556E7FB}" type="datetimeFigureOut">
               <a:rPr lang="en-CN" smtClean="0"/>
-              <a:t>2021/1/9</a:t>
+              <a:t>2021/1/10</a:t>
             </a:fld>
             <a:endParaRPr lang="en-CN"/>
           </a:p>
@@ -1158,7 +1158,7 @@
           <a:p>
             <a:fld id="{2093C52E-3E25-9345-BD90-52828556E7FB}" type="datetimeFigureOut">
               <a:rPr lang="en-CN" smtClean="0"/>
-              <a:t>2021/1/9</a:t>
+              <a:t>2021/1/10</a:t>
             </a:fld>
             <a:endParaRPr lang="en-CN"/>
           </a:p>
@@ -1426,7 +1426,7 @@
           <a:p>
             <a:fld id="{2093C52E-3E25-9345-BD90-52828556E7FB}" type="datetimeFigureOut">
               <a:rPr lang="en-CN" smtClean="0"/>
-              <a:t>2021/1/9</a:t>
+              <a:t>2021/1/10</a:t>
             </a:fld>
             <a:endParaRPr lang="en-CN"/>
           </a:p>
@@ -1841,7 +1841,7 @@
           <a:p>
             <a:fld id="{2093C52E-3E25-9345-BD90-52828556E7FB}" type="datetimeFigureOut">
               <a:rPr lang="en-CN" smtClean="0"/>
-              <a:t>2021/1/9</a:t>
+              <a:t>2021/1/10</a:t>
             </a:fld>
             <a:endParaRPr lang="en-CN"/>
           </a:p>
@@ -1983,7 +1983,7 @@
           <a:p>
             <a:fld id="{2093C52E-3E25-9345-BD90-52828556E7FB}" type="datetimeFigureOut">
               <a:rPr lang="en-CN" smtClean="0"/>
-              <a:t>2021/1/9</a:t>
+              <a:t>2021/1/10</a:t>
             </a:fld>
             <a:endParaRPr lang="en-CN"/>
           </a:p>
@@ -2096,7 +2096,7 @@
           <a:p>
             <a:fld id="{2093C52E-3E25-9345-BD90-52828556E7FB}" type="datetimeFigureOut">
               <a:rPr lang="en-CN" smtClean="0"/>
-              <a:t>2021/1/9</a:t>
+              <a:t>2021/1/10</a:t>
             </a:fld>
             <a:endParaRPr lang="en-CN"/>
           </a:p>
@@ -2409,7 +2409,7 @@
           <a:p>
             <a:fld id="{2093C52E-3E25-9345-BD90-52828556E7FB}" type="datetimeFigureOut">
               <a:rPr lang="en-CN" smtClean="0"/>
-              <a:t>2021/1/9</a:t>
+              <a:t>2021/1/10</a:t>
             </a:fld>
             <a:endParaRPr lang="en-CN"/>
           </a:p>
@@ -2698,7 +2698,7 @@
           <a:p>
             <a:fld id="{2093C52E-3E25-9345-BD90-52828556E7FB}" type="datetimeFigureOut">
               <a:rPr lang="en-CN" smtClean="0"/>
-              <a:t>2021/1/9</a:t>
+              <a:t>2021/1/10</a:t>
             </a:fld>
             <a:endParaRPr lang="en-CN"/>
           </a:p>
@@ -2941,7 +2941,7 @@
           <a:p>
             <a:fld id="{2093C52E-3E25-9345-BD90-52828556E7FB}" type="datetimeFigureOut">
               <a:rPr lang="en-CN" smtClean="0"/>
-              <a:t>2021/1/9</a:t>
+              <a:t>2021/1/10</a:t>
             </a:fld>
             <a:endParaRPr lang="en-CN"/>
           </a:p>
@@ -4538,7 +4538,7 @@
         </p:nvSpPr>
         <p:spPr>
           <a:xfrm>
-            <a:off x="5364979" y="2364114"/>
+            <a:off x="5364979" y="2385886"/>
             <a:ext cx="489856" cy="489858"/>
           </a:xfrm>
           <a:prstGeom prst="ellipse">
@@ -4598,7 +4598,7 @@
         </p:nvSpPr>
         <p:spPr>
           <a:xfrm>
-            <a:off x="6300761" y="2364114"/>
+            <a:off x="6300761" y="2385886"/>
             <a:ext cx="489856" cy="489858"/>
           </a:xfrm>
           <a:prstGeom prst="ellipse">
@@ -4660,7 +4660,7 @@
         </p:nvCxnSpPr>
         <p:spPr>
           <a:xfrm>
-            <a:off x="5854835" y="2609043"/>
+            <a:off x="5854835" y="2630815"/>
             <a:ext cx="445926" cy="0"/>
           </a:xfrm>
           <a:prstGeom prst="straightConnector1">
@@ -4706,7 +4706,7 @@
         </p:nvSpPr>
         <p:spPr>
           <a:xfrm>
-            <a:off x="7035545" y="2455471"/>
+            <a:off x="7035545" y="2477243"/>
             <a:ext cx="1357872" cy="306000"/>
           </a:xfrm>
           <a:prstGeom prst="rect">
@@ -4754,7 +4754,7 @@
         </p:nvSpPr>
         <p:spPr>
           <a:xfrm>
-            <a:off x="5362773" y="2927353"/>
+            <a:off x="5362773" y="2949125"/>
             <a:ext cx="489856" cy="489858"/>
           </a:xfrm>
           <a:prstGeom prst="ellipse">
@@ -4813,7 +4813,7 @@
         </p:nvSpPr>
         <p:spPr>
           <a:xfrm>
-            <a:off x="6298555" y="2927353"/>
+            <a:off x="6298555" y="2949125"/>
             <a:ext cx="489856" cy="489858"/>
           </a:xfrm>
           <a:prstGeom prst="ellipse">
@@ -4875,7 +4875,7 @@
         </p:nvCxnSpPr>
         <p:spPr>
           <a:xfrm>
-            <a:off x="5852629" y="3172282"/>
+            <a:off x="5852629" y="3194054"/>
             <a:ext cx="445926" cy="0"/>
           </a:xfrm>
           <a:prstGeom prst="straightConnector1">
@@ -4921,7 +4921,7 @@
         </p:nvSpPr>
         <p:spPr>
           <a:xfrm>
-            <a:off x="7033339" y="3018710"/>
+            <a:off x="7033339" y="3040482"/>
             <a:ext cx="803546" cy="306000"/>
           </a:xfrm>
           <a:prstGeom prst="rect">
@@ -4969,7 +4969,7 @@
         </p:nvSpPr>
         <p:spPr>
           <a:xfrm>
-            <a:off x="5362773" y="3470350"/>
+            <a:off x="5362773" y="3492122"/>
             <a:ext cx="489856" cy="489858"/>
           </a:xfrm>
           <a:prstGeom prst="ellipse">
@@ -5029,7 +5029,7 @@
         </p:nvSpPr>
         <p:spPr>
           <a:xfrm>
-            <a:off x="6298555" y="3470350"/>
+            <a:off x="6298555" y="3492122"/>
             <a:ext cx="489856" cy="489858"/>
           </a:xfrm>
           <a:prstGeom prst="ellipse">
@@ -5091,7 +5091,7 @@
         </p:nvCxnSpPr>
         <p:spPr>
           <a:xfrm>
-            <a:off x="5852629" y="3715279"/>
+            <a:off x="5852629" y="3737051"/>
             <a:ext cx="445926" cy="0"/>
           </a:xfrm>
           <a:prstGeom prst="straightConnector1">
@@ -5137,7 +5137,7 @@
         </p:nvSpPr>
         <p:spPr>
           <a:xfrm>
-            <a:off x="7033339" y="3585520"/>
+            <a:off x="7033339" y="3607292"/>
             <a:ext cx="489856" cy="307401"/>
           </a:xfrm>
           <a:prstGeom prst="rect">
@@ -5401,7 +5401,7 @@
         </p:nvSpPr>
         <p:spPr>
           <a:xfrm>
-            <a:off x="5902255" y="4119330"/>
+            <a:off x="5902255" y="4141102"/>
             <a:ext cx="1842799" cy="400110"/>
           </a:xfrm>
           <a:prstGeom prst="rect">
